--- a/pptx/修士論文発表資料.pptx
+++ b/pptx/修士論文発表資料.pptx
@@ -233,7 +233,7 @@
             <a:fld id="{9C56AC0C-4515-4911-B9AC-283626B9D7E7}" type="datetimeFigureOut">
               <a:rPr kumimoji="1" lang="ja-JP" altLang="en-US" smtClean="0"/>
               <a:pPr/>
-              <a:t>2010/2/13</a:t>
+              <a:t>2010/2/15</a:t>
             </a:fld>
             <a:endParaRPr kumimoji="1" lang="ja-JP" altLang="en-US"/>
           </a:p>
@@ -4425,7 +4425,7 @@
             <a:fld id="{C84F2E02-C1A2-4055-9A23-CDE24FD86D4A}" type="datetimeFigureOut">
               <a:rPr kumimoji="1" lang="ja-JP" altLang="en-US" smtClean="0"/>
               <a:pPr/>
-              <a:t>2010/2/13</a:t>
+              <a:t>2010/2/15</a:t>
             </a:fld>
             <a:endParaRPr kumimoji="1" lang="ja-JP" altLang="en-US"/>
           </a:p>
@@ -4785,7 +4785,7 @@
             <a:fld id="{C84F2E02-C1A2-4055-9A23-CDE24FD86D4A}" type="datetimeFigureOut">
               <a:rPr kumimoji="1" lang="ja-JP" altLang="en-US" smtClean="0"/>
               <a:pPr/>
-              <a:t>2010/2/13</a:t>
+              <a:t>2010/2/15</a:t>
             </a:fld>
             <a:endParaRPr kumimoji="1" lang="ja-JP" altLang="en-US"/>
           </a:p>
@@ -5006,7 +5006,7 @@
             <a:fld id="{C84F2E02-C1A2-4055-9A23-CDE24FD86D4A}" type="datetimeFigureOut">
               <a:rPr kumimoji="1" lang="ja-JP" altLang="en-US" smtClean="0"/>
               <a:pPr/>
-              <a:t>2010/2/13</a:t>
+              <a:t>2010/2/15</a:t>
             </a:fld>
             <a:endParaRPr kumimoji="1" lang="ja-JP" altLang="en-US"/>
           </a:p>
@@ -5217,7 +5217,7 @@
             <a:fld id="{C84F2E02-C1A2-4055-9A23-CDE24FD86D4A}" type="datetimeFigureOut">
               <a:rPr kumimoji="1" lang="ja-JP" altLang="en-US" smtClean="0"/>
               <a:pPr/>
-              <a:t>2010/2/13</a:t>
+              <a:t>2010/2/15</a:t>
             </a:fld>
             <a:endParaRPr kumimoji="1" lang="ja-JP" altLang="en-US"/>
           </a:p>
@@ -5418,7 +5418,7 @@
             <a:fld id="{C84F2E02-C1A2-4055-9A23-CDE24FD86D4A}" type="datetimeFigureOut">
               <a:rPr kumimoji="1" lang="ja-JP" altLang="en-US" smtClean="0"/>
               <a:pPr/>
-              <a:t>2010/2/13</a:t>
+              <a:t>2010/2/15</a:t>
             </a:fld>
             <a:endParaRPr kumimoji="1" lang="ja-JP" altLang="en-US"/>
           </a:p>
@@ -5779,7 +5779,7 @@
             <a:fld id="{C84F2E02-C1A2-4055-9A23-CDE24FD86D4A}" type="datetimeFigureOut">
               <a:rPr kumimoji="1" lang="ja-JP" altLang="en-US" smtClean="0"/>
               <a:pPr/>
-              <a:t>2010/2/13</a:t>
+              <a:t>2010/2/15</a:t>
             </a:fld>
             <a:endParaRPr kumimoji="1" lang="ja-JP" altLang="en-US"/>
           </a:p>
@@ -6279,7 +6279,7 @@
             <a:fld id="{C84F2E02-C1A2-4055-9A23-CDE24FD86D4A}" type="datetimeFigureOut">
               <a:rPr kumimoji="1" lang="ja-JP" altLang="en-US" smtClean="0"/>
               <a:pPr/>
-              <a:t>2010/2/13</a:t>
+              <a:t>2010/2/15</a:t>
             </a:fld>
             <a:endParaRPr kumimoji="1" lang="ja-JP" altLang="en-US"/>
           </a:p>
@@ -6406,7 +6406,7 @@
             <a:fld id="{C84F2E02-C1A2-4055-9A23-CDE24FD86D4A}" type="datetimeFigureOut">
               <a:rPr kumimoji="1" lang="ja-JP" altLang="en-US" smtClean="0"/>
               <a:pPr/>
-              <a:t>2010/2/13</a:t>
+              <a:t>2010/2/15</a:t>
             </a:fld>
             <a:endParaRPr kumimoji="1" lang="ja-JP" altLang="en-US"/>
           </a:p>
@@ -6510,7 +6510,7 @@
             <a:fld id="{C84F2E02-C1A2-4055-9A23-CDE24FD86D4A}" type="datetimeFigureOut">
               <a:rPr kumimoji="1" lang="ja-JP" altLang="en-US" smtClean="0"/>
               <a:pPr/>
-              <a:t>2010/2/13</a:t>
+              <a:t>2010/2/15</a:t>
             </a:fld>
             <a:endParaRPr kumimoji="1" lang="ja-JP" altLang="en-US"/>
           </a:p>
@@ -6828,7 +6828,7 @@
             <a:fld id="{C84F2E02-C1A2-4055-9A23-CDE24FD86D4A}" type="datetimeFigureOut">
               <a:rPr kumimoji="1" lang="ja-JP" altLang="en-US" smtClean="0"/>
               <a:pPr/>
-              <a:t>2010/2/13</a:t>
+              <a:t>2010/2/15</a:t>
             </a:fld>
             <a:endParaRPr kumimoji="1" lang="ja-JP" altLang="en-US"/>
           </a:p>
@@ -7094,7 +7094,7 @@
             <a:fld id="{C84F2E02-C1A2-4055-9A23-CDE24FD86D4A}" type="datetimeFigureOut">
               <a:rPr kumimoji="1" lang="ja-JP" altLang="en-US" smtClean="0"/>
               <a:pPr/>
-              <a:t>2010/2/13</a:t>
+              <a:t>2010/2/15</a:t>
             </a:fld>
             <a:endParaRPr kumimoji="1" lang="ja-JP" altLang="en-US"/>
           </a:p>
@@ -7486,7 +7486,7 @@
             <a:fld id="{C84F2E02-C1A2-4055-9A23-CDE24FD86D4A}" type="datetimeFigureOut">
               <a:rPr kumimoji="1" lang="ja-JP" altLang="en-US" smtClean="0"/>
               <a:pPr/>
-              <a:t>2010/2/13</a:t>
+              <a:t>2010/2/15</a:t>
             </a:fld>
             <a:endParaRPr kumimoji="1" lang="ja-JP" altLang="en-US"/>
           </a:p>
@@ -8614,95 +8614,6 @@
           <a:chExt cx="0" cy="0"/>
         </a:xfrm>
       </p:grpSpPr>
-      <p:sp>
-        <p:nvSpPr>
-          <p:cNvPr id="2" name="タイトル 1"/>
-          <p:cNvSpPr>
-            <a:spLocks noGrp="1"/>
-          </p:cNvSpPr>
-          <p:nvPr>
-            <p:ph type="title"/>
-          </p:nvPr>
-        </p:nvSpPr>
-        <p:spPr/>
-        <p:txBody>
-          <a:bodyPr/>
-          <a:lstStyle/>
-          <a:p>
-            <a:r>
-              <a:rPr kumimoji="1" lang="ja-JP" altLang="en-US" dirty="0" smtClean="0"/>
-              <a:t>問題作成意図</a:t>
-            </a:r>
-            <a:endParaRPr kumimoji="1" lang="ja-JP" altLang="en-US" dirty="0"/>
-          </a:p>
-        </p:txBody>
-      </p:sp>
-      <p:sp>
-        <p:nvSpPr>
-          <p:cNvPr id="3" name="コンテンツ プレースホルダ 2"/>
-          <p:cNvSpPr>
-            <a:spLocks noGrp="1"/>
-          </p:cNvSpPr>
-          <p:nvPr>
-            <p:ph idx="1"/>
-          </p:nvPr>
-        </p:nvSpPr>
-        <p:spPr/>
-        <p:txBody>
-          <a:bodyPr/>
-          <a:lstStyle/>
-          <a:p>
-            <a:r>
-              <a:rPr lang="ja-JP" altLang="en-US" sz="2800" dirty="0" smtClean="0"/>
-              <a:t>問題作成意図を設けより簡単に問題作成が　　出来るように</a:t>
-            </a:r>
-          </a:p>
-          <a:p>
-            <a:r>
-              <a:rPr lang="ja-JP" altLang="en-US" sz="2900" dirty="0" smtClean="0"/>
-              <a:t>問題作成意図</a:t>
-            </a:r>
-            <a:endParaRPr lang="en-US" altLang="ja-JP" sz="2900" dirty="0" smtClean="0"/>
-          </a:p>
-          <a:p>
-            <a:pPr lvl="1"/>
-            <a:r>
-              <a:rPr lang="ja-JP" altLang="en-US" sz="2900" dirty="0" smtClean="0"/>
-              <a:t>例：表示関数の使い方が分かっているか</a:t>
-            </a:r>
-            <a:endParaRPr lang="en-US" altLang="ja-JP" sz="2900" dirty="0" smtClean="0"/>
-          </a:p>
-          <a:p>
-            <a:pPr lvl="1">
-              <a:buNone/>
-            </a:pPr>
-            <a:r>
-              <a:rPr lang="ja-JP" altLang="en-US" sz="2900" dirty="0" smtClean="0"/>
-              <a:t>　　　　ｆ</a:t>
-            </a:r>
-            <a:r>
-              <a:rPr lang="en-US" altLang="ja-JP" sz="2900" dirty="0" smtClean="0"/>
-              <a:t>or</a:t>
-            </a:r>
-            <a:r>
-              <a:rPr lang="ja-JP" altLang="en-US" sz="2900" dirty="0" smtClean="0"/>
-              <a:t>文の使い方が分かっているか</a:t>
-            </a:r>
-            <a:endParaRPr lang="en-US" altLang="ja-JP" sz="2700" dirty="0" smtClean="0"/>
-          </a:p>
-          <a:p>
-            <a:pPr lvl="1"/>
-            <a:r>
-              <a:rPr lang="ja-JP" altLang="en-US" sz="2600" dirty="0" smtClean="0"/>
-              <a:t>問題作成ルールより抽象的な表現をしたものを選び問題作成を行うことが可能</a:t>
-            </a:r>
-            <a:endParaRPr lang="en-US" altLang="ja-JP" sz="2600" dirty="0" smtClean="0"/>
-          </a:p>
-          <a:p>
-            <a:endParaRPr kumimoji="1" lang="ja-JP" altLang="en-US" dirty="0"/>
-          </a:p>
-        </p:txBody>
-      </p:sp>
       <p:grpSp>
         <p:nvGrpSpPr>
           <p:cNvPr id="4" name="グループ化 3"/>
@@ -9026,6 +8937,95 @@
           </p:txBody>
         </p:sp>
       </p:grpSp>
+      <p:sp>
+        <p:nvSpPr>
+          <p:cNvPr id="2" name="タイトル 1"/>
+          <p:cNvSpPr>
+            <a:spLocks noGrp="1"/>
+          </p:cNvSpPr>
+          <p:nvPr>
+            <p:ph type="title"/>
+          </p:nvPr>
+        </p:nvSpPr>
+        <p:spPr/>
+        <p:txBody>
+          <a:bodyPr/>
+          <a:lstStyle/>
+          <a:p>
+            <a:r>
+              <a:rPr kumimoji="1" lang="ja-JP" altLang="en-US" dirty="0" smtClean="0"/>
+              <a:t>問題作成意図</a:t>
+            </a:r>
+            <a:endParaRPr kumimoji="1" lang="ja-JP" altLang="en-US" dirty="0"/>
+          </a:p>
+        </p:txBody>
+      </p:sp>
+      <p:sp>
+        <p:nvSpPr>
+          <p:cNvPr id="3" name="コンテンツ プレースホルダ 2"/>
+          <p:cNvSpPr>
+            <a:spLocks noGrp="1"/>
+          </p:cNvSpPr>
+          <p:nvPr>
+            <p:ph idx="1"/>
+          </p:nvPr>
+        </p:nvSpPr>
+        <p:spPr/>
+        <p:txBody>
+          <a:bodyPr/>
+          <a:lstStyle/>
+          <a:p>
+            <a:r>
+              <a:rPr lang="ja-JP" altLang="en-US" sz="2800" dirty="0" smtClean="0"/>
+              <a:t>問題作成意図を設けより簡単に問題作成が　　出来るように</a:t>
+            </a:r>
+          </a:p>
+          <a:p>
+            <a:r>
+              <a:rPr lang="ja-JP" altLang="en-US" sz="2900" dirty="0" smtClean="0"/>
+              <a:t>問題作成意図</a:t>
+            </a:r>
+            <a:endParaRPr lang="en-US" altLang="ja-JP" sz="2900" dirty="0" smtClean="0"/>
+          </a:p>
+          <a:p>
+            <a:pPr lvl="1"/>
+            <a:r>
+              <a:rPr lang="ja-JP" altLang="en-US" sz="2900" dirty="0" smtClean="0"/>
+              <a:t>例：表示関数の使い方が分かっているか</a:t>
+            </a:r>
+            <a:endParaRPr lang="en-US" altLang="ja-JP" sz="2900" dirty="0" smtClean="0"/>
+          </a:p>
+          <a:p>
+            <a:pPr lvl="1">
+              <a:buNone/>
+            </a:pPr>
+            <a:r>
+              <a:rPr lang="ja-JP" altLang="en-US" sz="2900" dirty="0" smtClean="0"/>
+              <a:t>　　　　ｆ</a:t>
+            </a:r>
+            <a:r>
+              <a:rPr lang="en-US" altLang="ja-JP" sz="2900" dirty="0" smtClean="0"/>
+              <a:t>or</a:t>
+            </a:r>
+            <a:r>
+              <a:rPr lang="ja-JP" altLang="en-US" sz="2900" dirty="0" smtClean="0"/>
+              <a:t>文の使い方が分かっているか</a:t>
+            </a:r>
+            <a:endParaRPr lang="en-US" altLang="ja-JP" sz="2700" dirty="0" smtClean="0"/>
+          </a:p>
+          <a:p>
+            <a:pPr lvl="1"/>
+            <a:r>
+              <a:rPr lang="ja-JP" altLang="en-US" sz="2600" dirty="0" smtClean="0"/>
+              <a:t>問題作成ルールより抽象的な表現をしたものを選び問題作成を行うことが可能</a:t>
+            </a:r>
+            <a:endParaRPr lang="en-US" altLang="ja-JP" sz="2600" dirty="0" smtClean="0"/>
+          </a:p>
+          <a:p>
+            <a:endParaRPr kumimoji="1" lang="ja-JP" altLang="en-US" dirty="0"/>
+          </a:p>
+        </p:txBody>
+      </p:sp>
     </p:spTree>
   </p:cSld>
   <p:clrMapOvr>
@@ -12420,11 +12420,7 @@
             </a:pPr>
             <a:r>
               <a:rPr kumimoji="1" lang="ja-JP" altLang="en-US" sz="3200" dirty="0" smtClean="0"/>
-              <a:t>構文木同士の</a:t>
-            </a:r>
-            <a:r>
-              <a:rPr kumimoji="1" lang="ja-JP" altLang="en-US" sz="3200" dirty="0" smtClean="0"/>
-              <a:t>比較</a:t>
+              <a:t>構文木同士の比較</a:t>
             </a:r>
             <a:endParaRPr kumimoji="1" lang="en-US" altLang="ja-JP" sz="3200" dirty="0" smtClean="0"/>
           </a:p>
@@ -15615,6 +15611,18 @@
           </a:p>
           <a:p>
             <a:pPr marL="971550" lvl="1" indent="-514350"/>
+            <a:endParaRPr lang="en-US" altLang="ja-JP" sz="2800" dirty="0" smtClean="0"/>
+          </a:p>
+          <a:p>
+            <a:pPr marL="971550" lvl="1" indent="-514350"/>
+            <a:r>
+              <a:rPr lang="ja-JP" altLang="en-US" sz="2800" dirty="0" smtClean="0"/>
+              <a:t>可換率の変換</a:t>
+            </a:r>
+            <a:endParaRPr lang="en-US" altLang="ja-JP" sz="2800" dirty="0" smtClean="0"/>
+          </a:p>
+          <a:p>
+            <a:pPr marL="971550" lvl="1" indent="-514350"/>
             <a:r>
               <a:rPr lang="ja-JP" altLang="en-US" sz="2800" dirty="0" smtClean="0"/>
               <a:t>結合律の変換</a:t>
@@ -15626,14 +15634,6 @@
             <a:r>
               <a:rPr lang="ja-JP" altLang="en-US" sz="2800" dirty="0" smtClean="0"/>
               <a:t>分配律の変換</a:t>
-            </a:r>
-            <a:endParaRPr lang="en-US" altLang="ja-JP" sz="2800" dirty="0" smtClean="0"/>
-          </a:p>
-          <a:p>
-            <a:pPr marL="971550" lvl="1" indent="-514350"/>
-            <a:r>
-              <a:rPr lang="ja-JP" altLang="en-US" sz="2800" dirty="0" smtClean="0"/>
-              <a:t>可換率の変換</a:t>
             </a:r>
             <a:endParaRPr lang="en-US" altLang="ja-JP" sz="2800" dirty="0" smtClean="0"/>
           </a:p>
@@ -18784,7 +18784,15 @@
             </a:r>
             <a:r>
               <a:rPr lang="en-US" altLang="ja-JP" sz="2800" dirty="0" smtClean="0"/>
-              <a:t>1/2a</a:t>
+              <a:t>1/2</a:t>
+            </a:r>
+            <a:r>
+              <a:rPr lang="ja-JP" altLang="en-US" sz="2800" dirty="0" smtClean="0"/>
+              <a:t>*</a:t>
+            </a:r>
+            <a:r>
+              <a:rPr lang="en-US" altLang="ja-JP" sz="2800" dirty="0" smtClean="0"/>
+              <a:t>a</a:t>
             </a:r>
             <a:r>
               <a:rPr lang="ja-JP" altLang="en-US" sz="2800" dirty="0" smtClean="0"/>
@@ -18792,7 +18800,15 @@
             </a:r>
             <a:r>
               <a:rPr lang="en-US" altLang="ja-JP" sz="2800" dirty="0" smtClean="0"/>
-              <a:t>0.5a</a:t>
+              <a:t>0.5</a:t>
+            </a:r>
+            <a:r>
+              <a:rPr lang="ja-JP" altLang="en-US" sz="2800" dirty="0" smtClean="0"/>
+              <a:t>*</a:t>
+            </a:r>
+            <a:r>
+              <a:rPr lang="en-US" altLang="ja-JP" sz="2800" dirty="0" smtClean="0"/>
+              <a:t>a</a:t>
             </a:r>
             <a:r>
               <a:rPr lang="ja-JP" altLang="en-US" sz="2800" dirty="0" smtClean="0"/>
@@ -22151,7 +22167,11 @@
             </a:r>
             <a:r>
               <a:rPr lang="ja-JP" altLang="en-US" dirty="0" smtClean="0"/>
-              <a:t>年卒業論文、池田絵里</a:t>
+              <a:t>年度卒業</a:t>
+            </a:r>
+            <a:r>
+              <a:rPr lang="ja-JP" altLang="en-US" dirty="0" smtClean="0"/>
+              <a:t>論文、池田絵里</a:t>
             </a:r>
             <a:endParaRPr lang="en-US" altLang="ja-JP" dirty="0" smtClean="0"/>
           </a:p>
@@ -25877,11 +25897,7 @@
             </a:r>
             <a:r>
               <a:rPr lang="ja-JP" altLang="en-US" sz="2800" dirty="0" smtClean="0"/>
-              <a:t>テスト</a:t>
-            </a:r>
-            <a:r>
-              <a:rPr lang="ja-JP" altLang="en-US" sz="2800" dirty="0" smtClean="0"/>
-              <a:t>機構</a:t>
+              <a:t>テスト機構</a:t>
             </a:r>
             <a:endParaRPr lang="en-US" altLang="ja-JP" sz="2800" dirty="0" smtClean="0"/>
           </a:p>
@@ -25898,15 +25914,7 @@
             </a:r>
             <a:r>
               <a:rPr lang="ja-JP" altLang="en-US" sz="2800" dirty="0" smtClean="0"/>
-              <a:t>（岡山県</a:t>
-            </a:r>
-            <a:r>
-              <a:rPr lang="ja-JP" altLang="en-US" sz="2800" dirty="0" smtClean="0"/>
-              <a:t>立</a:t>
-            </a:r>
-            <a:r>
-              <a:rPr lang="ja-JP" altLang="en-US" sz="2800" dirty="0" smtClean="0"/>
-              <a:t>大学</a:t>
+              <a:t>（岡山県立大学</a:t>
             </a:r>
             <a:r>
               <a:rPr lang="en-US" altLang="ja-JP" sz="2800" dirty="0" smtClean="0"/>
@@ -25914,15 +25922,7 @@
             </a:r>
             <a:r>
               <a:rPr lang="ja-JP" altLang="en-US" sz="2800" dirty="0" smtClean="0"/>
-              <a:t>年度</a:t>
-            </a:r>
-            <a:r>
-              <a:rPr lang="ja-JP" altLang="en-US" sz="2800" dirty="0" smtClean="0"/>
-              <a:t>卒業</a:t>
-            </a:r>
-            <a:r>
-              <a:rPr lang="ja-JP" altLang="en-US" sz="2800" dirty="0" smtClean="0"/>
-              <a:t>論文：西）</a:t>
+              <a:t>年度卒業論文：西）</a:t>
             </a:r>
             <a:endParaRPr kumimoji="1" lang="ja-JP" altLang="en-US" dirty="0"/>
           </a:p>
@@ -26716,11 +26716,7 @@
             </a:r>
             <a:r>
               <a:rPr lang="ja-JP" altLang="en-US" sz="2000" dirty="0" smtClean="0"/>
-              <a:t>年度卒業</a:t>
-            </a:r>
-            <a:r>
-              <a:rPr lang="ja-JP" altLang="en-US" sz="2000" dirty="0" smtClean="0"/>
-              <a:t>論文、池田絵里</a:t>
+              <a:t>年度卒業論文、池田絵里</a:t>
             </a:r>
             <a:endParaRPr lang="en-US" altLang="ja-JP" sz="2000" dirty="0" smtClean="0"/>
           </a:p>
@@ -27265,15 +27261,7 @@
             <a:pPr lvl="1"/>
             <a:r>
               <a:rPr lang="ja-JP" altLang="en-US" sz="2800" dirty="0" smtClean="0"/>
-              <a:t>問題</a:t>
-            </a:r>
-            <a:r>
-              <a:rPr lang="ja-JP" altLang="en-US" sz="2800" dirty="0" smtClean="0"/>
-              <a:t>作成者の手間を軽減</a:t>
-            </a:r>
-            <a:r>
-              <a:rPr lang="ja-JP" altLang="en-US" sz="2800" dirty="0" smtClean="0"/>
-              <a:t>する</a:t>
+              <a:t>問題作成者の手間を軽減する</a:t>
             </a:r>
             <a:endParaRPr kumimoji="1" lang="en-US" altLang="ja-JP" sz="2800" dirty="0" smtClean="0"/>
           </a:p>
